--- a/portfolio_tracker.pptx
+++ b/portfolio_tracker.pptx
@@ -264,7 +264,7 @@
           <a:p>
             <a:fld id="{04CFBF53-0F8A-1A4F-BA63-1C498E40C817}" type="datetimeFigureOut">
               <a:rPr lang="en-US" smtClean="0"/>
-              <a:t>11/4/20</a:t>
+              <a:t>11/5/2020</a:t>
             </a:fld>
             <a:endParaRPr lang="en-US"/>
           </a:p>
@@ -462,7 +462,7 @@
           <a:p>
             <a:fld id="{04CFBF53-0F8A-1A4F-BA63-1C498E40C817}" type="datetimeFigureOut">
               <a:rPr lang="en-US" smtClean="0"/>
-              <a:t>11/4/20</a:t>
+              <a:t>11/5/2020</a:t>
             </a:fld>
             <a:endParaRPr lang="en-US"/>
           </a:p>
@@ -670,7 +670,7 @@
           <a:p>
             <a:fld id="{04CFBF53-0F8A-1A4F-BA63-1C498E40C817}" type="datetimeFigureOut">
               <a:rPr lang="en-US" smtClean="0"/>
-              <a:t>11/4/20</a:t>
+              <a:t>11/5/2020</a:t>
             </a:fld>
             <a:endParaRPr lang="en-US"/>
           </a:p>
@@ -868,7 +868,7 @@
           <a:p>
             <a:fld id="{04CFBF53-0F8A-1A4F-BA63-1C498E40C817}" type="datetimeFigureOut">
               <a:rPr lang="en-US" smtClean="0"/>
-              <a:t>11/4/20</a:t>
+              <a:t>11/5/2020</a:t>
             </a:fld>
             <a:endParaRPr lang="en-US"/>
           </a:p>
@@ -1143,7 +1143,7 @@
           <a:p>
             <a:fld id="{04CFBF53-0F8A-1A4F-BA63-1C498E40C817}" type="datetimeFigureOut">
               <a:rPr lang="en-US" smtClean="0"/>
-              <a:t>11/4/20</a:t>
+              <a:t>11/5/2020</a:t>
             </a:fld>
             <a:endParaRPr lang="en-US"/>
           </a:p>
@@ -1408,7 +1408,7 @@
           <a:p>
             <a:fld id="{04CFBF53-0F8A-1A4F-BA63-1C498E40C817}" type="datetimeFigureOut">
               <a:rPr lang="en-US" smtClean="0"/>
-              <a:t>11/4/20</a:t>
+              <a:t>11/5/2020</a:t>
             </a:fld>
             <a:endParaRPr lang="en-US"/>
           </a:p>
@@ -1820,7 +1820,7 @@
           <a:p>
             <a:fld id="{04CFBF53-0F8A-1A4F-BA63-1C498E40C817}" type="datetimeFigureOut">
               <a:rPr lang="en-US" smtClean="0"/>
-              <a:t>11/4/20</a:t>
+              <a:t>11/5/2020</a:t>
             </a:fld>
             <a:endParaRPr lang="en-US"/>
           </a:p>
@@ -1961,7 +1961,7 @@
           <a:p>
             <a:fld id="{04CFBF53-0F8A-1A4F-BA63-1C498E40C817}" type="datetimeFigureOut">
               <a:rPr lang="en-US" smtClean="0"/>
-              <a:t>11/4/20</a:t>
+              <a:t>11/5/2020</a:t>
             </a:fld>
             <a:endParaRPr lang="en-US"/>
           </a:p>
@@ -2074,7 +2074,7 @@
           <a:p>
             <a:fld id="{04CFBF53-0F8A-1A4F-BA63-1C498E40C817}" type="datetimeFigureOut">
               <a:rPr lang="en-US" smtClean="0"/>
-              <a:t>11/4/20</a:t>
+              <a:t>11/5/2020</a:t>
             </a:fld>
             <a:endParaRPr lang="en-US"/>
           </a:p>
@@ -2385,7 +2385,7 @@
           <a:p>
             <a:fld id="{04CFBF53-0F8A-1A4F-BA63-1C498E40C817}" type="datetimeFigureOut">
               <a:rPr lang="en-US" smtClean="0"/>
-              <a:t>11/4/20</a:t>
+              <a:t>11/5/2020</a:t>
             </a:fld>
             <a:endParaRPr lang="en-US"/>
           </a:p>
@@ -2673,7 +2673,7 @@
           <a:p>
             <a:fld id="{04CFBF53-0F8A-1A4F-BA63-1C498E40C817}" type="datetimeFigureOut">
               <a:rPr lang="en-US" smtClean="0"/>
-              <a:t>11/4/20</a:t>
+              <a:t>11/5/2020</a:t>
             </a:fld>
             <a:endParaRPr lang="en-US"/>
           </a:p>
@@ -2914,7 +2914,7 @@
           <a:p>
             <a:fld id="{04CFBF53-0F8A-1A4F-BA63-1C498E40C817}" type="datetimeFigureOut">
               <a:rPr lang="en-US" smtClean="0"/>
-              <a:t>11/4/20</a:t>
+              <a:t>11/5/2020</a:t>
             </a:fld>
             <a:endParaRPr lang="en-US"/>
           </a:p>
@@ -4292,12 +4292,121 @@
           </a:p>
         </p:txBody>
       </p:sp>
+      <p:sp>
+        <p:nvSpPr>
+          <p:cNvPr id="7" name="TextBox 6">
+            <a:extLst>
+              <a:ext uri="{FF2B5EF4-FFF2-40B4-BE49-F238E27FC236}">
+                <a16:creationId xmlns:a16="http://schemas.microsoft.com/office/drawing/2014/main" id="{B1DA31B2-449C-134E-94D7-1C0D84F31A3C}"/>
+              </a:ext>
+            </a:extLst>
+          </p:cNvPr>
+          <p:cNvSpPr txBox="1"/>
+          <p:nvPr/>
+        </p:nvSpPr>
+        <p:spPr>
+          <a:xfrm>
+            <a:off x="6681216" y="1755648"/>
+            <a:ext cx="4718304" cy="3416320"/>
+          </a:xfrm>
+          <a:prstGeom prst="rect">
+            <a:avLst/>
+          </a:prstGeom>
+          <a:noFill/>
+        </p:spPr>
+        <p:txBody>
+          <a:bodyPr wrap="square" rtlCol="0">
+            <a:spAutoFit/>
+          </a:bodyPr>
+          <a:lstStyle/>
+          <a:p>
+            <a:r>
+              <a:rPr lang="en-US" sz="2400" b="1" dirty="0"/>
+              <a:t>Team Members</a:t>
+            </a:r>
+            <a:endParaRPr lang="en-US" sz="2400" dirty="0"/>
+          </a:p>
+          <a:p>
+            <a:endParaRPr lang="en-US" sz="2400" dirty="0"/>
+          </a:p>
+          <a:p>
+            <a:pPr marL="342900" indent="-342900">
+              <a:buFont typeface="Arial" panose="020B0604020202020204" pitchFamily="34" charset="0"/>
+              <a:buChar char="•"/>
+            </a:pPr>
+            <a:r>
+              <a:rPr lang="en-US" sz="2400" dirty="0"/>
+              <a:t>Pillarisetty Venkata, Srikanth</a:t>
+            </a:r>
+          </a:p>
+          <a:p>
+            <a:pPr marL="342900" indent="-342900">
+              <a:buFont typeface="Arial" panose="020B0604020202020204" pitchFamily="34" charset="0"/>
+              <a:buChar char="•"/>
+            </a:pPr>
+            <a:r>
+              <a:rPr lang="en-US" sz="2400" dirty="0"/>
+              <a:t>Ten, Melvyn</a:t>
+            </a:r>
+          </a:p>
+          <a:p>
+            <a:pPr marL="342900" indent="-342900">
+              <a:buFont typeface="Arial" panose="020B0604020202020204" pitchFamily="34" charset="0"/>
+              <a:buChar char="•"/>
+            </a:pPr>
+            <a:r>
+              <a:rPr lang="en-US" sz="2400" dirty="0"/>
+              <a:t>Wright, Jamal</a:t>
+            </a:r>
+          </a:p>
+          <a:p>
+            <a:pPr marL="342900" indent="-342900">
+              <a:buFont typeface="Arial" panose="020B0604020202020204" pitchFamily="34" charset="0"/>
+              <a:buChar char="•"/>
+            </a:pPr>
+            <a:r>
+              <a:rPr lang="en-US" sz="2400" dirty="0"/>
+              <a:t>McGinnis, Jerron</a:t>
+            </a:r>
+          </a:p>
+          <a:p>
+            <a:pPr marL="342900" indent="-342900">
+              <a:buFont typeface="Arial" panose="020B0604020202020204" pitchFamily="34" charset="0"/>
+              <a:buChar char="•"/>
+            </a:pPr>
+            <a:r>
+              <a:rPr lang="en-US" sz="2400" dirty="0"/>
+              <a:t>Crowder, Michael</a:t>
+            </a:r>
+          </a:p>
+          <a:p>
+            <a:pPr marL="342900" indent="-342900">
+              <a:buFont typeface="Arial" panose="020B0604020202020204" pitchFamily="34" charset="0"/>
+              <a:buChar char="•"/>
+            </a:pPr>
+            <a:r>
+              <a:rPr lang="en-US" sz="2400" dirty="0"/>
+              <a:t>Hermann, Anthony R</a:t>
+            </a:r>
+          </a:p>
+          <a:p>
+            <a:pPr marL="342900" indent="-342900">
+              <a:buFont typeface="Arial" panose="020B0604020202020204" pitchFamily="34" charset="0"/>
+              <a:buChar char="•"/>
+            </a:pPr>
+            <a:r>
+              <a:rPr lang="en-US" sz="2400" dirty="0"/>
+              <a:t>Arora, Rakesh</a:t>
+            </a:r>
+          </a:p>
+        </p:txBody>
+      </p:sp>
       <p:pic>
         <p:nvPicPr>
-          <p:cNvPr id="4" name="Picture 3">
-            <a:extLst>
-              <a:ext uri="{FF2B5EF4-FFF2-40B4-BE49-F238E27FC236}">
-                <a16:creationId xmlns:a16="http://schemas.microsoft.com/office/drawing/2014/main" id="{178C7777-C5FB-E540-93E9-7A48C096C2B8}"/>
+          <p:cNvPr id="3" name="Picture 2">
+            <a:extLst>
+              <a:ext uri="{FF2B5EF4-FFF2-40B4-BE49-F238E27FC236}">
+                <a16:creationId xmlns:a16="http://schemas.microsoft.com/office/drawing/2014/main" id="{70C30B4E-47C5-40D8-BEEB-CAF77F41BE92}"/>
               </a:ext>
             </a:extLst>
           </p:cNvPr>
@@ -4314,123 +4423,14 @@
         </p:blipFill>
         <p:spPr>
           <a:xfrm>
-            <a:off x="955548" y="1310386"/>
-            <a:ext cx="4648200" cy="5041900"/>
+            <a:off x="389489" y="981433"/>
+            <a:ext cx="5973989" cy="5514392"/>
           </a:xfrm>
           <a:prstGeom prst="rect">
             <a:avLst/>
           </a:prstGeom>
         </p:spPr>
       </p:pic>
-      <p:sp>
-        <p:nvSpPr>
-          <p:cNvPr id="7" name="TextBox 6">
-            <a:extLst>
-              <a:ext uri="{FF2B5EF4-FFF2-40B4-BE49-F238E27FC236}">
-                <a16:creationId xmlns:a16="http://schemas.microsoft.com/office/drawing/2014/main" id="{B1DA31B2-449C-134E-94D7-1C0D84F31A3C}"/>
-              </a:ext>
-            </a:extLst>
-          </p:cNvPr>
-          <p:cNvSpPr txBox="1"/>
-          <p:nvPr/>
-        </p:nvSpPr>
-        <p:spPr>
-          <a:xfrm>
-            <a:off x="6681216" y="1755648"/>
-            <a:ext cx="4718304" cy="3416320"/>
-          </a:xfrm>
-          <a:prstGeom prst="rect">
-            <a:avLst/>
-          </a:prstGeom>
-          <a:noFill/>
-        </p:spPr>
-        <p:txBody>
-          <a:bodyPr wrap="square" rtlCol="0">
-            <a:spAutoFit/>
-          </a:bodyPr>
-          <a:lstStyle/>
-          <a:p>
-            <a:r>
-              <a:rPr lang="en-US" sz="2400" b="1" dirty="0"/>
-              <a:t>Team Members</a:t>
-            </a:r>
-            <a:endParaRPr lang="en-US" sz="2400" dirty="0"/>
-          </a:p>
-          <a:p>
-            <a:endParaRPr lang="en-US" sz="2400" dirty="0"/>
-          </a:p>
-          <a:p>
-            <a:pPr marL="342900" indent="-342900">
-              <a:buFont typeface="Arial" panose="020B0604020202020204" pitchFamily="34" charset="0"/>
-              <a:buChar char="•"/>
-            </a:pPr>
-            <a:r>
-              <a:rPr lang="en-US" sz="2400" dirty="0"/>
-              <a:t>Pillarisetty Venkata, Srikanth</a:t>
-            </a:r>
-          </a:p>
-          <a:p>
-            <a:pPr marL="342900" indent="-342900">
-              <a:buFont typeface="Arial" panose="020B0604020202020204" pitchFamily="34" charset="0"/>
-              <a:buChar char="•"/>
-            </a:pPr>
-            <a:r>
-              <a:rPr lang="en-US" sz="2400" dirty="0"/>
-              <a:t>Ten, Melvyn</a:t>
-            </a:r>
-          </a:p>
-          <a:p>
-            <a:pPr marL="342900" indent="-342900">
-              <a:buFont typeface="Arial" panose="020B0604020202020204" pitchFamily="34" charset="0"/>
-              <a:buChar char="•"/>
-            </a:pPr>
-            <a:r>
-              <a:rPr lang="en-US" sz="2400" dirty="0"/>
-              <a:t>Wright, Jamal</a:t>
-            </a:r>
-          </a:p>
-          <a:p>
-            <a:pPr marL="342900" indent="-342900">
-              <a:buFont typeface="Arial" panose="020B0604020202020204" pitchFamily="34" charset="0"/>
-              <a:buChar char="•"/>
-            </a:pPr>
-            <a:r>
-              <a:rPr lang="en-US" sz="2400" dirty="0"/>
-              <a:t>McGinnis, Jerron</a:t>
-            </a:r>
-          </a:p>
-          <a:p>
-            <a:pPr marL="342900" indent="-342900">
-              <a:buFont typeface="Arial" panose="020B0604020202020204" pitchFamily="34" charset="0"/>
-              <a:buChar char="•"/>
-            </a:pPr>
-            <a:r>
-              <a:rPr lang="en-US" sz="2400" dirty="0"/>
-              <a:t>Crowder, Michael</a:t>
-            </a:r>
-          </a:p>
-          <a:p>
-            <a:pPr marL="342900" indent="-342900">
-              <a:buFont typeface="Arial" panose="020B0604020202020204" pitchFamily="34" charset="0"/>
-              <a:buChar char="•"/>
-            </a:pPr>
-            <a:r>
-              <a:rPr lang="en-US" sz="2400" dirty="0"/>
-              <a:t>Hermann, Anthony R</a:t>
-            </a:r>
-          </a:p>
-          <a:p>
-            <a:pPr marL="342900" indent="-342900">
-              <a:buFont typeface="Arial" panose="020B0604020202020204" pitchFamily="34" charset="0"/>
-              <a:buChar char="•"/>
-            </a:pPr>
-            <a:r>
-              <a:rPr lang="en-US" sz="2400" dirty="0"/>
-              <a:t>Arora, Rakesh</a:t>
-            </a:r>
-          </a:p>
-        </p:txBody>
-      </p:sp>
     </p:spTree>
     <p:extLst>
       <p:ext uri="{BB962C8B-B14F-4D97-AF65-F5344CB8AC3E}">
